--- a/folien/symboltabelle_02_07_2020.pptx
+++ b/folien/symboltabelle_02_07_2020.pptx
@@ -5,16 +5,17 @@
     <p:sldMasterId id="2147483903" r:id="rId1"/>
   </p:sldMasterIdLst>
   <p:notesMasterIdLst>
-    <p:notesMasterId r:id="rId6"/>
+    <p:notesMasterId r:id="rId7"/>
   </p:notesMasterIdLst>
   <p:handoutMasterIdLst>
-    <p:handoutMasterId r:id="rId7"/>
+    <p:handoutMasterId r:id="rId8"/>
   </p:handoutMasterIdLst>
   <p:sldIdLst>
     <p:sldId id="270" r:id="rId2"/>
     <p:sldId id="343" r:id="rId3"/>
     <p:sldId id="344" r:id="rId4"/>
     <p:sldId id="345" r:id="rId5"/>
+    <p:sldId id="346" r:id="rId6"/>
   </p:sldIdLst>
   <p:sldSz cx="12192000" cy="6858000"/>
   <p:notesSz cx="7099300" cy="10234613"/>
@@ -10238,6 +10239,183 @@
 </p:sld>
 </file>
 
+<file path=ppt/slides/slide5.xml><?xml version="1.0" encoding="utf-8"?>
+<p:sld xmlns:a="http://schemas.openxmlformats.org/drawingml/2006/main" xmlns:r="http://schemas.openxmlformats.org/officeDocument/2006/relationships" xmlns:p="http://schemas.openxmlformats.org/presentationml/2006/main">
+  <p:cSld>
+    <p:spTree>
+      <p:nvGrpSpPr>
+        <p:cNvPr id="1" name=""/>
+        <p:cNvGrpSpPr/>
+        <p:nvPr/>
+      </p:nvGrpSpPr>
+      <p:grpSpPr>
+        <a:xfrm>
+          <a:off x="0" y="0"/>
+          <a:ext cx="0" cy="0"/>
+          <a:chOff x="0" y="0"/>
+          <a:chExt cx="0" cy="0"/>
+        </a:xfrm>
+      </p:grpSpPr>
+      <p:sp>
+        <p:nvSpPr>
+          <p:cNvPr id="3" name="Titel 2">
+            <a:extLst>
+              <a:ext uri="{FF2B5EF4-FFF2-40B4-BE49-F238E27FC236}">
+                <a16:creationId xmlns:a16="http://schemas.microsoft.com/office/drawing/2014/main" id="{DDAEAA19-DD0A-4FCC-B88E-E6BBBC609E7A}"/>
+              </a:ext>
+            </a:extLst>
+          </p:cNvPr>
+          <p:cNvSpPr>
+            <a:spLocks noGrp="1"/>
+          </p:cNvSpPr>
+          <p:nvPr>
+            <p:ph type="title"/>
+          </p:nvPr>
+        </p:nvSpPr>
+        <p:spPr/>
+        <p:txBody>
+          <a:bodyPr/>
+          <a:lstStyle/>
+          <a:p>
+            <a:r>
+              <a:rPr lang="de-DE" dirty="0"/>
+              <a:t>Grammatik Modifikation </a:t>
+            </a:r>
+          </a:p>
+        </p:txBody>
+      </p:sp>
+      <p:sp>
+        <p:nvSpPr>
+          <p:cNvPr id="8" name="Inhaltsplatzhalter 7">
+            <a:extLst>
+              <a:ext uri="{FF2B5EF4-FFF2-40B4-BE49-F238E27FC236}">
+                <a16:creationId xmlns:a16="http://schemas.microsoft.com/office/drawing/2014/main" id="{FE983490-4F71-40D6-BA2A-D468F9454859}"/>
+              </a:ext>
+            </a:extLst>
+          </p:cNvPr>
+          <p:cNvSpPr>
+            <a:spLocks noGrp="1"/>
+          </p:cNvSpPr>
+          <p:nvPr>
+            <p:ph sz="quarter" idx="14"/>
+          </p:nvPr>
+        </p:nvSpPr>
+        <p:spPr/>
+        <p:txBody>
+          <a:bodyPr/>
+          <a:lstStyle/>
+          <a:p>
+            <a:r>
+              <a:rPr lang="de-DE" sz="2000" dirty="0"/>
+              <a:t>Key-Annotation in </a:t>
+            </a:r>
+            <a:r>
+              <a:rPr lang="de-DE" sz="2000" dirty="0" err="1"/>
+              <a:t>SDVariableDeclaration</a:t>
+            </a:r>
+            <a:r>
+              <a:rPr lang="de-DE" sz="2000" dirty="0"/>
+              <a:t> entfernt.</a:t>
+            </a:r>
+          </a:p>
+          <a:p>
+            <a:endParaRPr lang="de-DE" sz="2000" dirty="0"/>
+          </a:p>
+          <a:p>
+            <a:pPr lvl="1"/>
+            <a:endParaRPr lang="de-DE" dirty="0"/>
+          </a:p>
+          <a:p>
+            <a:pPr lvl="1"/>
+            <a:r>
+              <a:rPr lang="de-DE" sz="1800" dirty="0"/>
+              <a:t>Modelle können sonst nicht </a:t>
+            </a:r>
+            <a:r>
+              <a:rPr lang="de-DE" sz="1800" dirty="0" err="1"/>
+              <a:t>geparsed</a:t>
+            </a:r>
+            <a:r>
+              <a:rPr lang="de-DE" sz="1800" dirty="0"/>
+              <a:t> werden</a:t>
+            </a:r>
+          </a:p>
+          <a:p>
+            <a:pPr lvl="1"/>
+            <a:endParaRPr lang="de-DE" sz="1800" dirty="0"/>
+          </a:p>
+          <a:p>
+            <a:pPr lvl="1"/>
+            <a:endParaRPr lang="de-DE" sz="1800" dirty="0"/>
+          </a:p>
+          <a:p>
+            <a:pPr lvl="1"/>
+            <a:r>
+              <a:rPr lang="de-DE" sz="1800" dirty="0"/>
+              <a:t>Vermutung: </a:t>
+            </a:r>
+            <a:r>
+              <a:rPr lang="de-DE" sz="1800" dirty="0" err="1"/>
+              <a:t>let</a:t>
+            </a:r>
+            <a:r>
+              <a:rPr lang="de-DE" sz="1800" dirty="0"/>
+              <a:t> ist schon als Keyword in OCL-</a:t>
+            </a:r>
+            <a:r>
+              <a:rPr lang="de-DE" sz="1800" dirty="0" err="1"/>
+              <a:t>Expressions</a:t>
+            </a:r>
+            <a:r>
+              <a:rPr lang="de-DE" sz="1800" dirty="0"/>
+              <a:t> definiert</a:t>
+            </a:r>
+          </a:p>
+        </p:txBody>
+      </p:sp>
+      <p:pic>
+        <p:nvPicPr>
+          <p:cNvPr id="4" name="Grafik 3">
+            <a:extLst>
+              <a:ext uri="{FF2B5EF4-FFF2-40B4-BE49-F238E27FC236}">
+                <a16:creationId xmlns:a16="http://schemas.microsoft.com/office/drawing/2014/main" id="{A1B0369B-C710-42B9-B454-41BEA72FFF0A}"/>
+              </a:ext>
+            </a:extLst>
+          </p:cNvPr>
+          <p:cNvPicPr>
+            <a:picLocks noChangeAspect="1"/>
+          </p:cNvPicPr>
+          <p:nvPr/>
+        </p:nvPicPr>
+        <p:blipFill>
+          <a:blip r:embed="rId2"/>
+          <a:stretch>
+            <a:fillRect/>
+          </a:stretch>
+        </p:blipFill>
+        <p:spPr>
+          <a:xfrm>
+            <a:off x="701104" y="3555645"/>
+            <a:ext cx="10239375" cy="1628775"/>
+          </a:xfrm>
+          <a:prstGeom prst="rect">
+            <a:avLst/>
+          </a:prstGeom>
+        </p:spPr>
+      </p:pic>
+    </p:spTree>
+    <p:extLst>
+      <p:ext uri="{BB962C8B-B14F-4D97-AF65-F5344CB8AC3E}">
+        <p14:creationId xmlns:p14="http://schemas.microsoft.com/office/powerpoint/2010/main" val="1017196955"/>
+      </p:ext>
+    </p:extLst>
+  </p:cSld>
+  <p:clrMapOvr>
+    <a:masterClrMapping/>
+  </p:clrMapOvr>
+</p:sld>
+</file>
+
 <file path=ppt/theme/theme1.xml><?xml version="1.0" encoding="utf-8"?>
 <a:theme xmlns:a="http://schemas.openxmlformats.org/drawingml/2006/main" name="DesignSE">
   <a:themeElements>
